--- a/M18-clustering.pptx
+++ b/M18-clustering.pptx
@@ -601,7 +601,7 @@
           </a:ln>
           <a:extLst>
             <a:ext uri="{909E8E84-426E-40dd-AFC4-6F175D3DCCD1}">
-              <a14:hiddenFill xmlns:a14="http://schemas.microsoft.com/office/drawing/2010/main" xmlns="">
+              <a14:hiddenFill xmlns="" xmlns:a14="http://schemas.microsoft.com/office/drawing/2010/main">
                 <a:solidFill>
                   <a:srgbClr val="FFFFFF"/>
                 </a:solidFill>
@@ -647,7 +647,7 @@
           </a:ln>
           <a:extLst>
             <a:ext uri="{909E8E84-426E-40dd-AFC4-6F175D3DCCD1}">
-              <a14:hiddenFill xmlns:a14="http://schemas.microsoft.com/office/drawing/2010/main" xmlns="">
+              <a14:hiddenFill xmlns="" xmlns:a14="http://schemas.microsoft.com/office/drawing/2010/main">
                 <a:solidFill>
                   <a:srgbClr val="FFFFFF"/>
                 </a:solidFill>
@@ -693,7 +693,7 @@
           </a:ln>
           <a:extLst>
             <a:ext uri="{909E8E84-426E-40dd-AFC4-6F175D3DCCD1}">
-              <a14:hiddenFill xmlns:a14="http://schemas.microsoft.com/office/drawing/2010/main" xmlns="">
+              <a14:hiddenFill xmlns="" xmlns:a14="http://schemas.microsoft.com/office/drawing/2010/main">
                 <a:solidFill>
                   <a:srgbClr val="FFFFFF"/>
                 </a:solidFill>
@@ -737,7 +737,7 @@
           </a:ln>
           <a:extLst>
             <a:ext uri="{909E8E84-426E-40dd-AFC4-6F175D3DCCD1}">
-              <a14:hiddenFill xmlns:a14="http://schemas.microsoft.com/office/drawing/2010/main" xmlns="">
+              <a14:hiddenFill xmlns="" xmlns:a14="http://schemas.microsoft.com/office/drawing/2010/main">
                 <a:solidFill>
                   <a:srgbClr val="FFFFFF"/>
                 </a:solidFill>
@@ -783,7 +783,7 @@
           </a:ln>
           <a:extLst>
             <a:ext uri="{909E8E84-426E-40dd-AFC4-6F175D3DCCD1}">
-              <a14:hiddenFill xmlns:a14="http://schemas.microsoft.com/office/drawing/2010/main" xmlns="">
+              <a14:hiddenFill xmlns="" xmlns:a14="http://schemas.microsoft.com/office/drawing/2010/main">
                 <a:solidFill>
                   <a:srgbClr val="FFFFFF"/>
                 </a:solidFill>
@@ -829,7 +829,7 @@
           </a:ln>
           <a:extLst>
             <a:ext uri="{909E8E84-426E-40dd-AFC4-6F175D3DCCD1}">
-              <a14:hiddenFill xmlns:a14="http://schemas.microsoft.com/office/drawing/2010/main" xmlns="">
+              <a14:hiddenFill xmlns="" xmlns:a14="http://schemas.microsoft.com/office/drawing/2010/main">
                 <a:solidFill>
                   <a:srgbClr val="FFFFFF"/>
                 </a:solidFill>
@@ -3665,7 +3665,7 @@
           <a:p>
             <a:fld id="{1D8BD707-D9CF-40AE-B4C6-C98DA3205C09}" type="datetimeFigureOut">
               <a:rPr lang="en-US"/>
-              <a:t>11/12/18</a:t>
+              <a:t>8/10/20</a:t>
             </a:fld>
             <a:endParaRPr lang="en-US"/>
           </a:p>
@@ -3847,7 +3847,7 @@
           <a:p>
             <a:fld id="{1D8BD707-D9CF-40AE-B4C6-C98DA3205C09}" type="datetimeFigureOut">
               <a:rPr lang="en-US"/>
-              <a:t>11/12/18</a:t>
+              <a:t>8/10/20</a:t>
             </a:fld>
             <a:endParaRPr lang="en-US"/>
           </a:p>
@@ -4107,7 +4107,7 @@
           <a:p>
             <a:fld id="{1D8BD707-D9CF-40AE-B4C6-C98DA3205C09}" type="datetimeFigureOut">
               <a:rPr lang="en-US"/>
-              <a:t>11/12/18</a:t>
+              <a:t>8/10/20</a:t>
             </a:fld>
             <a:endParaRPr lang="en-US"/>
           </a:p>
@@ -4762,7 +4762,7 @@
           <a:p>
             <a:fld id="{1D8BD707-D9CF-40AE-B4C6-C98DA3205C09}" type="datetimeFigureOut">
               <a:rPr lang="en-US"/>
-              <a:t>11/12/18</a:t>
+              <a:t>8/10/20</a:t>
             </a:fld>
             <a:endParaRPr lang="en-US"/>
           </a:p>
@@ -5226,7 +5226,7 @@
           </a:ln>
           <a:extLst>
             <a:ext uri="{909E8E84-426E-40dd-AFC4-6F175D3DCCD1}">
-              <a14:hiddenFill xmlns:a14="http://schemas.microsoft.com/office/drawing/2010/main" xmlns="">
+              <a14:hiddenFill xmlns="" xmlns:a14="http://schemas.microsoft.com/office/drawing/2010/main">
                 <a:solidFill>
                   <a:srgbClr val="FFFFFF"/>
                 </a:solidFill>
@@ -5272,7 +5272,7 @@
           </a:ln>
           <a:extLst>
             <a:ext uri="{909E8E84-426E-40dd-AFC4-6F175D3DCCD1}">
-              <a14:hiddenFill xmlns:a14="http://schemas.microsoft.com/office/drawing/2010/main" xmlns="">
+              <a14:hiddenFill xmlns="" xmlns:a14="http://schemas.microsoft.com/office/drawing/2010/main">
                 <a:solidFill>
                   <a:srgbClr val="FFFFFF"/>
                 </a:solidFill>
@@ -5318,7 +5318,7 @@
           </a:ln>
           <a:extLst>
             <a:ext uri="{909E8E84-426E-40dd-AFC4-6F175D3DCCD1}">
-              <a14:hiddenFill xmlns:a14="http://schemas.microsoft.com/office/drawing/2010/main" xmlns="">
+              <a14:hiddenFill xmlns="" xmlns:a14="http://schemas.microsoft.com/office/drawing/2010/main">
                 <a:solidFill>
                   <a:srgbClr val="FFFFFF"/>
                 </a:solidFill>
@@ -5362,7 +5362,7 @@
           </a:ln>
           <a:extLst>
             <a:ext uri="{909E8E84-426E-40dd-AFC4-6F175D3DCCD1}">
-              <a14:hiddenFill xmlns:a14="http://schemas.microsoft.com/office/drawing/2010/main" xmlns="">
+              <a14:hiddenFill xmlns="" xmlns:a14="http://schemas.microsoft.com/office/drawing/2010/main">
                 <a:solidFill>
                   <a:srgbClr val="FFFFFF"/>
                 </a:solidFill>
@@ -5408,7 +5408,7 @@
           </a:ln>
           <a:extLst>
             <a:ext uri="{909E8E84-426E-40dd-AFC4-6F175D3DCCD1}">
-              <a14:hiddenFill xmlns:a14="http://schemas.microsoft.com/office/drawing/2010/main" xmlns="">
+              <a14:hiddenFill xmlns="" xmlns:a14="http://schemas.microsoft.com/office/drawing/2010/main">
                 <a:solidFill>
                   <a:srgbClr val="FFFFFF"/>
                 </a:solidFill>
@@ -5454,7 +5454,7 @@
           </a:ln>
           <a:extLst>
             <a:ext uri="{909E8E84-426E-40dd-AFC4-6F175D3DCCD1}">
-              <a14:hiddenFill xmlns:a14="http://schemas.microsoft.com/office/drawing/2010/main" xmlns="">
+              <a14:hiddenFill xmlns="" xmlns:a14="http://schemas.microsoft.com/office/drawing/2010/main">
                 <a:solidFill>
                   <a:srgbClr val="FFFFFF"/>
                 </a:solidFill>
@@ -7646,7 +7646,7 @@
           <a:p>
             <a:fld id="{6E39BF48-6E0A-4E37-BB05-8DF70571673D}" type="datetimeFigureOut">
               <a:rPr lang="en-US" smtClean="0"/>
-              <a:t>11/12/18</a:t>
+              <a:t>8/10/20</a:t>
             </a:fld>
             <a:endParaRPr lang="en-US"/>
           </a:p>
@@ -29559,56 +29559,6 @@
           <a:chExt cx="0" cy="0"/>
         </a:xfrm>
       </p:grpSpPr>
-      <p:sp>
-        <p:nvSpPr>
-          <p:cNvPr id="2" name="Content Placeholder 1">
-            <a:extLst>
-              <a:ext uri="{FF2B5EF4-FFF2-40B4-BE49-F238E27FC236}">
-                <a16:creationId xmlns:a16="http://schemas.microsoft.com/office/drawing/2014/main" id="{6406C411-ED9A-1A44-88B4-124015E3C312}"/>
-              </a:ext>
-            </a:extLst>
-          </p:cNvPr>
-          <p:cNvSpPr>
-            <a:spLocks noGrp="1"/>
-          </p:cNvSpPr>
-          <p:nvPr>
-            <p:ph sz="half" idx="1"/>
-          </p:nvPr>
-        </p:nvSpPr>
-        <p:spPr/>
-        <p:txBody>
-          <a:bodyPr/>
-          <a:lstStyle/>
-          <a:p>
-            <a:endParaRPr lang="en-US"/>
-          </a:p>
-        </p:txBody>
-      </p:sp>
-      <p:sp>
-        <p:nvSpPr>
-          <p:cNvPr id="3" name="Content Placeholder 2">
-            <a:extLst>
-              <a:ext uri="{FF2B5EF4-FFF2-40B4-BE49-F238E27FC236}">
-                <a16:creationId xmlns:a16="http://schemas.microsoft.com/office/drawing/2014/main" id="{848A1791-F45B-6A41-8167-629E4FB132E5}"/>
-              </a:ext>
-            </a:extLst>
-          </p:cNvPr>
-          <p:cNvSpPr>
-            <a:spLocks noGrp="1"/>
-          </p:cNvSpPr>
-          <p:nvPr>
-            <p:ph sz="half" idx="10"/>
-          </p:nvPr>
-        </p:nvSpPr>
-        <p:spPr/>
-        <p:txBody>
-          <a:bodyPr/>
-          <a:lstStyle/>
-          <a:p>
-            <a:endParaRPr lang="en-US"/>
-          </a:p>
-        </p:txBody>
-      </p:sp>
     </p:spTree>
     <p:extLst>
       <p:ext uri="{BB962C8B-B14F-4D97-AF65-F5344CB8AC3E}">
